--- a/docs/songs/lead me to the cross.pptx
+++ b/docs/songs/lead me to the cross.pptx
@@ -10,7 +10,10 @@
     <p:sldId id="520" r:id="rId4"/>
     <p:sldId id="521" r:id="rId5"/>
     <p:sldId id="522" r:id="rId6"/>
-    <p:sldId id="523" r:id="rId7"/>
+    <p:sldId id="525" r:id="rId7"/>
+    <p:sldId id="526" r:id="rId8"/>
+    <p:sldId id="523" r:id="rId9"/>
+    <p:sldId id="527" r:id="rId10"/>
   </p:sldIdLst>
   <p:sldSz cx="9144000" cy="6858000" type="screen4x3"/>
   <p:notesSz cx="6858000" cy="9144000"/>
@@ -310,7 +313,7 @@
             <a:fld id="{26EA1CF3-4A15-4CBF-9A5A-6A56C368BE71}" type="datetimeFigureOut">
               <a:rPr lang="en-GB" smtClean="0"/>
               <a:pPr/>
-              <a:t>13/03/2023</a:t>
+              <a:t>03/03/2025</a:t>
             </a:fld>
             <a:endParaRPr lang="en-GB"/>
           </a:p>
@@ -477,7 +480,7 @@
             <a:fld id="{26EA1CF3-4A15-4CBF-9A5A-6A56C368BE71}" type="datetimeFigureOut">
               <a:rPr lang="en-GB" smtClean="0"/>
               <a:pPr/>
-              <a:t>13/03/2023</a:t>
+              <a:t>03/03/2025</a:t>
             </a:fld>
             <a:endParaRPr lang="en-GB"/>
           </a:p>
@@ -654,7 +657,7 @@
             <a:fld id="{26EA1CF3-4A15-4CBF-9A5A-6A56C368BE71}" type="datetimeFigureOut">
               <a:rPr lang="en-GB" smtClean="0"/>
               <a:pPr/>
-              <a:t>13/03/2023</a:t>
+              <a:t>03/03/2025</a:t>
             </a:fld>
             <a:endParaRPr lang="en-GB"/>
           </a:p>
@@ -821,7 +824,7 @@
             <a:fld id="{26EA1CF3-4A15-4CBF-9A5A-6A56C368BE71}" type="datetimeFigureOut">
               <a:rPr lang="en-GB" smtClean="0"/>
               <a:pPr/>
-              <a:t>13/03/2023</a:t>
+              <a:t>03/03/2025</a:t>
             </a:fld>
             <a:endParaRPr lang="en-GB"/>
           </a:p>
@@ -1064,7 +1067,7 @@
             <a:fld id="{26EA1CF3-4A15-4CBF-9A5A-6A56C368BE71}" type="datetimeFigureOut">
               <a:rPr lang="en-GB" smtClean="0"/>
               <a:pPr/>
-              <a:t>13/03/2023</a:t>
+              <a:t>03/03/2025</a:t>
             </a:fld>
             <a:endParaRPr lang="en-GB"/>
           </a:p>
@@ -1349,7 +1352,7 @@
             <a:fld id="{26EA1CF3-4A15-4CBF-9A5A-6A56C368BE71}" type="datetimeFigureOut">
               <a:rPr lang="en-GB" smtClean="0"/>
               <a:pPr/>
-              <a:t>13/03/2023</a:t>
+              <a:t>03/03/2025</a:t>
             </a:fld>
             <a:endParaRPr lang="en-GB"/>
           </a:p>
@@ -1768,7 +1771,7 @@
             <a:fld id="{26EA1CF3-4A15-4CBF-9A5A-6A56C368BE71}" type="datetimeFigureOut">
               <a:rPr lang="en-GB" smtClean="0"/>
               <a:pPr/>
-              <a:t>13/03/2023</a:t>
+              <a:t>03/03/2025</a:t>
             </a:fld>
             <a:endParaRPr lang="en-GB"/>
           </a:p>
@@ -1883,7 +1886,7 @@
             <a:fld id="{26EA1CF3-4A15-4CBF-9A5A-6A56C368BE71}" type="datetimeFigureOut">
               <a:rPr lang="en-GB" smtClean="0"/>
               <a:pPr/>
-              <a:t>13/03/2023</a:t>
+              <a:t>03/03/2025</a:t>
             </a:fld>
             <a:endParaRPr lang="en-GB"/>
           </a:p>
@@ -1975,7 +1978,7 @@
             <a:fld id="{26EA1CF3-4A15-4CBF-9A5A-6A56C368BE71}" type="datetimeFigureOut">
               <a:rPr lang="en-GB" smtClean="0"/>
               <a:pPr/>
-              <a:t>13/03/2023</a:t>
+              <a:t>03/03/2025</a:t>
             </a:fld>
             <a:endParaRPr lang="en-GB"/>
           </a:p>
@@ -2249,7 +2252,7 @@
             <a:fld id="{26EA1CF3-4A15-4CBF-9A5A-6A56C368BE71}" type="datetimeFigureOut">
               <a:rPr lang="en-GB" smtClean="0"/>
               <a:pPr/>
-              <a:t>13/03/2023</a:t>
+              <a:t>03/03/2025</a:t>
             </a:fld>
             <a:endParaRPr lang="en-GB"/>
           </a:p>
@@ -2499,7 +2502,7 @@
             <a:fld id="{26EA1CF3-4A15-4CBF-9A5A-6A56C368BE71}" type="datetimeFigureOut">
               <a:rPr lang="en-GB" smtClean="0"/>
               <a:pPr/>
-              <a:t>13/03/2023</a:t>
+              <a:t>03/03/2025</a:t>
             </a:fld>
             <a:endParaRPr lang="en-GB"/>
           </a:p>
@@ -2712,7 +2715,7 @@
             <a:fld id="{26EA1CF3-4A15-4CBF-9A5A-6A56C368BE71}" type="datetimeFigureOut">
               <a:rPr lang="en-GB" smtClean="0"/>
               <a:pPr/>
-              <a:t>13/03/2023</a:t>
+              <a:t>03/03/2025</a:t>
             </a:fld>
             <a:endParaRPr lang="en-GB"/>
           </a:p>
@@ -3274,7 +3277,7 @@
         </p:nvSpPr>
         <p:spPr>
           <a:xfrm>
-            <a:off x="323528" y="188640"/>
+            <a:off x="323528" y="692696"/>
             <a:ext cx="8640960" cy="6480720"/>
           </a:xfrm>
         </p:spPr>
@@ -3285,7 +3288,7 @@
           <a:lstStyle/>
           <a:p>
             <a:r>
-              <a:rPr lang="en-GB" sz="4000" dirty="0">
+              <a:rPr lang="en-GB" sz="3600" dirty="0">
                 <a:solidFill>
                   <a:schemeClr val="bg1"/>
                 </a:solidFill>
@@ -3295,7 +3298,7 @@
           </a:p>
           <a:p>
             <a:r>
-              <a:rPr lang="en-GB" sz="4000" dirty="0">
+              <a:rPr lang="en-GB" sz="3600" dirty="0">
                 <a:solidFill>
                   <a:schemeClr val="bg1"/>
                 </a:solidFill>
@@ -3305,7 +3308,7 @@
           </a:p>
           <a:p>
             <a:r>
-              <a:rPr lang="en-GB" sz="4000" dirty="0">
+              <a:rPr lang="en-GB" sz="3600" dirty="0">
                 <a:solidFill>
                   <a:schemeClr val="bg1"/>
                 </a:solidFill>
@@ -3315,7 +3318,7 @@
           </a:p>
           <a:p>
             <a:r>
-              <a:rPr lang="en-GB" sz="4000" dirty="0">
+              <a:rPr lang="en-GB" sz="3600" dirty="0">
                 <a:solidFill>
                   <a:schemeClr val="bg1"/>
                 </a:solidFill>
@@ -3353,7 +3356,7 @@
                   <a:schemeClr val="bg1"/>
                 </a:solidFill>
               </a:rPr>
-              <a:t>1/5</a:t>
+              <a:t>1/8</a:t>
             </a:r>
           </a:p>
         </p:txBody>
@@ -3400,7 +3403,7 @@
         </p:nvSpPr>
         <p:spPr>
           <a:xfrm>
-            <a:off x="323528" y="188640"/>
+            <a:off x="251520" y="764704"/>
             <a:ext cx="8640960" cy="6480720"/>
           </a:xfrm>
         </p:spPr>
@@ -3411,7 +3414,7 @@
           <a:lstStyle/>
           <a:p>
             <a:r>
-              <a:rPr lang="en-GB" sz="4000" dirty="0" err="1">
+              <a:rPr lang="en-GB" sz="3600" dirty="0" err="1">
                 <a:solidFill>
                   <a:schemeClr val="bg1"/>
                 </a:solidFill>
@@ -3419,7 +3422,7 @@
               <a:t>Ev’rything</a:t>
             </a:r>
             <a:r>
-              <a:rPr lang="en-GB" sz="4000" dirty="0">
+              <a:rPr lang="en-GB" sz="3600" dirty="0">
                 <a:solidFill>
                   <a:schemeClr val="bg1"/>
                 </a:solidFill>
@@ -3429,7 +3432,7 @@
           </a:p>
           <a:p>
             <a:r>
-              <a:rPr lang="en-GB" sz="4000" dirty="0">
+              <a:rPr lang="en-GB" sz="3600" dirty="0">
                 <a:solidFill>
                   <a:schemeClr val="bg1"/>
                 </a:solidFill>
@@ -3467,7 +3470,7 @@
                   <a:schemeClr val="bg1"/>
                 </a:solidFill>
               </a:rPr>
-              <a:t>2/5</a:t>
+              <a:t>2/8</a:t>
             </a:r>
           </a:p>
         </p:txBody>
@@ -3514,7 +3517,7 @@
         </p:nvSpPr>
         <p:spPr>
           <a:xfrm>
-            <a:off x="323528" y="188640"/>
+            <a:off x="251520" y="692696"/>
             <a:ext cx="8640960" cy="6480720"/>
           </a:xfrm>
         </p:spPr>
@@ -3525,7 +3528,7 @@
           <a:lstStyle/>
           <a:p>
             <a:r>
-              <a:rPr lang="en-GB" sz="4000" dirty="0">
+              <a:rPr lang="en-GB" sz="3600" dirty="0">
                 <a:solidFill>
                   <a:schemeClr val="bg1"/>
                 </a:solidFill>
@@ -3535,7 +3538,7 @@
           </a:p>
           <a:p>
             <a:r>
-              <a:rPr lang="en-GB" sz="4000" dirty="0">
+              <a:rPr lang="en-GB" sz="3600" dirty="0">
                 <a:solidFill>
                   <a:schemeClr val="bg1"/>
                 </a:solidFill>
@@ -3545,7 +3548,7 @@
           </a:p>
           <a:p>
             <a:r>
-              <a:rPr lang="en-GB" sz="4000" dirty="0">
+              <a:rPr lang="en-GB" sz="3600" dirty="0">
                 <a:solidFill>
                   <a:schemeClr val="bg1"/>
                 </a:solidFill>
@@ -3555,7 +3558,7 @@
           </a:p>
           <a:p>
             <a:r>
-              <a:rPr lang="en-GB" sz="4000" dirty="0">
+              <a:rPr lang="en-GB" sz="3600" dirty="0">
                 <a:solidFill>
                   <a:schemeClr val="bg1"/>
                 </a:solidFill>
@@ -3565,7 +3568,7 @@
           </a:p>
           <a:p>
             <a:r>
-              <a:rPr lang="en-GB" sz="4000" dirty="0">
+              <a:rPr lang="en-GB" sz="3600" dirty="0">
                 <a:solidFill>
                   <a:schemeClr val="bg1"/>
                 </a:solidFill>
@@ -3575,7 +3578,7 @@
           </a:p>
           <a:p>
             <a:r>
-              <a:rPr lang="en-GB" sz="4000" dirty="0">
+              <a:rPr lang="en-GB" sz="3600" dirty="0">
                 <a:solidFill>
                   <a:schemeClr val="bg1"/>
                 </a:solidFill>
@@ -3585,7 +3588,7 @@
           </a:p>
           <a:p>
             <a:r>
-              <a:rPr lang="en-GB" sz="4000" dirty="0">
+              <a:rPr lang="en-GB" sz="3600" dirty="0">
                 <a:solidFill>
                   <a:schemeClr val="bg1"/>
                 </a:solidFill>
@@ -3623,7 +3626,7 @@
                   <a:schemeClr val="bg1"/>
                 </a:solidFill>
               </a:rPr>
-              <a:t>3/5</a:t>
+              <a:t>3/8</a:t>
             </a:r>
           </a:p>
         </p:txBody>
@@ -3670,7 +3673,7 @@
         </p:nvSpPr>
         <p:spPr>
           <a:xfrm>
-            <a:off x="323528" y="188640"/>
+            <a:off x="251520" y="764704"/>
             <a:ext cx="8640960" cy="6480720"/>
           </a:xfrm>
         </p:spPr>
@@ -3681,7 +3684,7 @@
           <a:lstStyle/>
           <a:p>
             <a:r>
-              <a:rPr lang="en-GB" sz="4000" dirty="0">
+              <a:rPr lang="en-GB" sz="3600" dirty="0">
                 <a:solidFill>
                   <a:schemeClr val="bg1"/>
                 </a:solidFill>
@@ -3691,7 +3694,7 @@
           </a:p>
           <a:p>
             <a:r>
-              <a:rPr lang="en-GB" sz="4000" dirty="0">
+              <a:rPr lang="en-GB" sz="3600" dirty="0">
                 <a:solidFill>
                   <a:schemeClr val="bg1"/>
                 </a:solidFill>
@@ -3701,7 +3704,7 @@
           </a:p>
           <a:p>
             <a:r>
-              <a:rPr lang="en-GB" sz="4000" dirty="0">
+              <a:rPr lang="en-GB" sz="3600" dirty="0">
                 <a:solidFill>
                   <a:schemeClr val="bg1"/>
                 </a:solidFill>
@@ -3711,7 +3714,7 @@
           </a:p>
           <a:p>
             <a:r>
-              <a:rPr lang="en-GB" sz="4000" dirty="0">
+              <a:rPr lang="en-GB" sz="3600" dirty="0">
                 <a:solidFill>
                   <a:schemeClr val="bg1"/>
                 </a:solidFill>
@@ -3749,7 +3752,7 @@
                   <a:schemeClr val="bg1"/>
                 </a:solidFill>
               </a:rPr>
-              <a:t>4/5</a:t>
+              <a:t>4/8</a:t>
             </a:r>
           </a:p>
         </p:txBody>
@@ -3772,6 +3775,312 @@
   <p:cSld>
     <p:spTree>
       <p:nvGrpSpPr>
+        <p:cNvPr id="1" name="">
+          <a:extLst>
+            <a:ext uri="{FF2B5EF4-FFF2-40B4-BE49-F238E27FC236}">
+              <a16:creationId xmlns:a16="http://schemas.microsoft.com/office/drawing/2014/main" id="{5C6E3583-A174-12D7-B1DD-DB5EDF626363}"/>
+            </a:ext>
+          </a:extLst>
+        </p:cNvPr>
+        <p:cNvGrpSpPr/>
+        <p:nvPr/>
+      </p:nvGrpSpPr>
+      <p:grpSpPr>
+        <a:xfrm>
+          <a:off x="0" y="0"/>
+          <a:ext cx="0" cy="0"/>
+          <a:chOff x="0" y="0"/>
+          <a:chExt cx="0" cy="0"/>
+        </a:xfrm>
+      </p:grpSpPr>
+      <p:sp>
+        <p:nvSpPr>
+          <p:cNvPr id="3" name="Subtitle 2">
+            <a:extLst>
+              <a:ext uri="{FF2B5EF4-FFF2-40B4-BE49-F238E27FC236}">
+                <a16:creationId xmlns:a16="http://schemas.microsoft.com/office/drawing/2014/main" id="{598E66DF-D04B-102C-568B-05121431D52B}"/>
+              </a:ext>
+            </a:extLst>
+          </p:cNvPr>
+          <p:cNvSpPr>
+            <a:spLocks noGrp="1"/>
+          </p:cNvSpPr>
+          <p:nvPr>
+            <p:ph type="subTitle" idx="1"/>
+          </p:nvPr>
+        </p:nvSpPr>
+        <p:spPr>
+          <a:xfrm>
+            <a:off x="251520" y="764704"/>
+            <a:ext cx="8640960" cy="6480720"/>
+          </a:xfrm>
+        </p:spPr>
+        <p:txBody>
+          <a:bodyPr>
+            <a:noAutofit/>
+          </a:bodyPr>
+          <a:lstStyle/>
+          <a:p>
+            <a:r>
+              <a:rPr lang="en-GB" sz="3600" dirty="0" err="1">
+                <a:solidFill>
+                  <a:schemeClr val="bg1"/>
+                </a:solidFill>
+              </a:rPr>
+              <a:t>Ev’rything</a:t>
+            </a:r>
+            <a:r>
+              <a:rPr lang="en-GB" sz="3600" dirty="0">
+                <a:solidFill>
+                  <a:schemeClr val="bg1"/>
+                </a:solidFill>
+              </a:rPr>
+              <a:t> I once held dear</a:t>
+            </a:r>
+          </a:p>
+          <a:p>
+            <a:r>
+              <a:rPr lang="en-GB" sz="3600" dirty="0">
+                <a:solidFill>
+                  <a:schemeClr val="bg1"/>
+                </a:solidFill>
+              </a:rPr>
+              <a:t>I count it all as loss</a:t>
+            </a:r>
+          </a:p>
+        </p:txBody>
+      </p:sp>
+      <p:sp>
+        <p:nvSpPr>
+          <p:cNvPr id="4" name="TextBox 3">
+            <a:extLst>
+              <a:ext uri="{FF2B5EF4-FFF2-40B4-BE49-F238E27FC236}">
+                <a16:creationId xmlns:a16="http://schemas.microsoft.com/office/drawing/2014/main" id="{79CA83E2-7311-BD32-0B7D-87E7671FE3AC}"/>
+              </a:ext>
+            </a:extLst>
+          </p:cNvPr>
+          <p:cNvSpPr txBox="1"/>
+          <p:nvPr/>
+        </p:nvSpPr>
+        <p:spPr>
+          <a:xfrm>
+            <a:off x="8529729" y="0"/>
+            <a:ext cx="628698" cy="461665"/>
+          </a:xfrm>
+          <a:prstGeom prst="rect">
+            <a:avLst/>
+          </a:prstGeom>
+          <a:noFill/>
+        </p:spPr>
+        <p:txBody>
+          <a:bodyPr wrap="none" rtlCol="0">
+            <a:spAutoFit/>
+          </a:bodyPr>
+          <a:lstStyle/>
+          <a:p>
+            <a:r>
+              <a:rPr lang="en-GB" sz="2400" b="1" dirty="0">
+                <a:solidFill>
+                  <a:schemeClr val="bg1"/>
+                </a:solidFill>
+              </a:rPr>
+              <a:t>5/8</a:t>
+            </a:r>
+          </a:p>
+        </p:txBody>
+      </p:sp>
+    </p:spTree>
+    <p:extLst>
+      <p:ext uri="{BB962C8B-B14F-4D97-AF65-F5344CB8AC3E}">
+        <p14:creationId xmlns:p14="http://schemas.microsoft.com/office/powerpoint/2010/main" val="810735976"/>
+      </p:ext>
+    </p:extLst>
+  </p:cSld>
+  <p:clrMapOvr>
+    <a:masterClrMapping/>
+  </p:clrMapOvr>
+</p:sld>
+</file>
+
+<file path=ppt/slides/slide7.xml><?xml version="1.0" encoding="utf-8"?>
+<p:sld xmlns:a="http://schemas.openxmlformats.org/drawingml/2006/main" xmlns:r="http://schemas.openxmlformats.org/officeDocument/2006/relationships" xmlns:p="http://schemas.openxmlformats.org/presentationml/2006/main">
+  <p:cSld>
+    <p:spTree>
+      <p:nvGrpSpPr>
+        <p:cNvPr id="1" name="">
+          <a:extLst>
+            <a:ext uri="{FF2B5EF4-FFF2-40B4-BE49-F238E27FC236}">
+              <a16:creationId xmlns:a16="http://schemas.microsoft.com/office/drawing/2014/main" id="{96BEE640-379C-0F36-2BE9-6FF7AA955ED0}"/>
+            </a:ext>
+          </a:extLst>
+        </p:cNvPr>
+        <p:cNvGrpSpPr/>
+        <p:nvPr/>
+      </p:nvGrpSpPr>
+      <p:grpSpPr>
+        <a:xfrm>
+          <a:off x="0" y="0"/>
+          <a:ext cx="0" cy="0"/>
+          <a:chOff x="0" y="0"/>
+          <a:chExt cx="0" cy="0"/>
+        </a:xfrm>
+      </p:grpSpPr>
+      <p:sp>
+        <p:nvSpPr>
+          <p:cNvPr id="3" name="Subtitle 2">
+            <a:extLst>
+              <a:ext uri="{FF2B5EF4-FFF2-40B4-BE49-F238E27FC236}">
+                <a16:creationId xmlns:a16="http://schemas.microsoft.com/office/drawing/2014/main" id="{56C8006C-BC34-3767-8087-136D58903899}"/>
+              </a:ext>
+            </a:extLst>
+          </p:cNvPr>
+          <p:cNvSpPr>
+            <a:spLocks noGrp="1"/>
+          </p:cNvSpPr>
+          <p:nvPr>
+            <p:ph type="subTitle" idx="1"/>
+          </p:nvPr>
+        </p:nvSpPr>
+        <p:spPr>
+          <a:xfrm>
+            <a:off x="251520" y="692696"/>
+            <a:ext cx="8640960" cy="6480720"/>
+          </a:xfrm>
+        </p:spPr>
+        <p:txBody>
+          <a:bodyPr>
+            <a:noAutofit/>
+          </a:bodyPr>
+          <a:lstStyle/>
+          <a:p>
+            <a:r>
+              <a:rPr lang="en-GB" sz="3600" dirty="0">
+                <a:solidFill>
+                  <a:schemeClr val="bg1"/>
+                </a:solidFill>
+              </a:rPr>
+              <a:t>Lead me to the cross</a:t>
+            </a:r>
+          </a:p>
+          <a:p>
+            <a:r>
+              <a:rPr lang="en-GB" sz="3600" dirty="0">
+                <a:solidFill>
+                  <a:schemeClr val="bg1"/>
+                </a:solidFill>
+              </a:rPr>
+              <a:t>Where Your love poured out</a:t>
+            </a:r>
+          </a:p>
+          <a:p>
+            <a:r>
+              <a:rPr lang="en-GB" sz="3600" dirty="0">
+                <a:solidFill>
+                  <a:schemeClr val="bg1"/>
+                </a:solidFill>
+              </a:rPr>
+              <a:t>Bring me to my knees</a:t>
+            </a:r>
+          </a:p>
+          <a:p>
+            <a:r>
+              <a:rPr lang="en-GB" sz="3600" dirty="0">
+                <a:solidFill>
+                  <a:schemeClr val="bg1"/>
+                </a:solidFill>
+              </a:rPr>
+              <a:t>Lord I lay me down</a:t>
+            </a:r>
+          </a:p>
+          <a:p>
+            <a:r>
+              <a:rPr lang="en-GB" sz="3600" dirty="0">
+                <a:solidFill>
+                  <a:schemeClr val="bg1"/>
+                </a:solidFill>
+              </a:rPr>
+              <a:t>Rid me of myself</a:t>
+            </a:r>
+          </a:p>
+          <a:p>
+            <a:r>
+              <a:rPr lang="en-GB" sz="3600" dirty="0">
+                <a:solidFill>
+                  <a:schemeClr val="bg1"/>
+                </a:solidFill>
+              </a:rPr>
+              <a:t>I belong to You</a:t>
+            </a:r>
+          </a:p>
+          <a:p>
+            <a:r>
+              <a:rPr lang="en-GB" sz="3600" dirty="0">
+                <a:solidFill>
+                  <a:schemeClr val="bg1"/>
+                </a:solidFill>
+              </a:rPr>
+              <a:t>Oh lead me lead me to the cross</a:t>
+            </a:r>
+          </a:p>
+        </p:txBody>
+      </p:sp>
+      <p:sp>
+        <p:nvSpPr>
+          <p:cNvPr id="4" name="TextBox 3">
+            <a:extLst>
+              <a:ext uri="{FF2B5EF4-FFF2-40B4-BE49-F238E27FC236}">
+                <a16:creationId xmlns:a16="http://schemas.microsoft.com/office/drawing/2014/main" id="{DB7FC821-5193-C934-FFDF-66271029A5EE}"/>
+              </a:ext>
+            </a:extLst>
+          </p:cNvPr>
+          <p:cNvSpPr txBox="1"/>
+          <p:nvPr/>
+        </p:nvSpPr>
+        <p:spPr>
+          <a:xfrm>
+            <a:off x="8529729" y="0"/>
+            <a:ext cx="628698" cy="461665"/>
+          </a:xfrm>
+          <a:prstGeom prst="rect">
+            <a:avLst/>
+          </a:prstGeom>
+          <a:noFill/>
+        </p:spPr>
+        <p:txBody>
+          <a:bodyPr wrap="none" rtlCol="0">
+            <a:spAutoFit/>
+          </a:bodyPr>
+          <a:lstStyle/>
+          <a:p>
+            <a:r>
+              <a:rPr lang="en-GB" sz="2400" b="1" dirty="0">
+                <a:solidFill>
+                  <a:schemeClr val="bg1"/>
+                </a:solidFill>
+              </a:rPr>
+              <a:t>6/8</a:t>
+            </a:r>
+          </a:p>
+        </p:txBody>
+      </p:sp>
+    </p:spTree>
+    <p:extLst>
+      <p:ext uri="{BB962C8B-B14F-4D97-AF65-F5344CB8AC3E}">
+        <p14:creationId xmlns:p14="http://schemas.microsoft.com/office/powerpoint/2010/main" val="257007584"/>
+      </p:ext>
+    </p:extLst>
+  </p:cSld>
+  <p:clrMapOvr>
+    <a:masterClrMapping/>
+  </p:clrMapOvr>
+</p:sld>
+</file>
+
+<file path=ppt/slides/slide8.xml><?xml version="1.0" encoding="utf-8"?>
+<p:sld xmlns:a="http://schemas.openxmlformats.org/drawingml/2006/main" xmlns:r="http://schemas.openxmlformats.org/officeDocument/2006/relationships" xmlns:p="http://schemas.openxmlformats.org/presentationml/2006/main">
+  <p:cSld>
+    <p:spTree>
+      <p:nvGrpSpPr>
         <p:cNvPr id="1" name=""/>
         <p:cNvGrpSpPr/>
         <p:nvPr/>
@@ -3796,7 +4105,7 @@
         </p:nvSpPr>
         <p:spPr>
           <a:xfrm>
-            <a:off x="323528" y="188640"/>
+            <a:off x="251520" y="692696"/>
             <a:ext cx="8640960" cy="6480720"/>
           </a:xfrm>
         </p:spPr>
@@ -3875,7 +4184,7 @@
                   <a:schemeClr val="bg1"/>
                 </a:solidFill>
               </a:rPr>
-              <a:t>5/5</a:t>
+              <a:t>7/8</a:t>
             </a:r>
           </a:p>
         </p:txBody>
@@ -3884,6 +4193,180 @@
     <p:extLst>
       <p:ext uri="{BB962C8B-B14F-4D97-AF65-F5344CB8AC3E}">
         <p14:creationId xmlns:p14="http://schemas.microsoft.com/office/powerpoint/2010/main" val="2352050009"/>
+      </p:ext>
+    </p:extLst>
+  </p:cSld>
+  <p:clrMapOvr>
+    <a:masterClrMapping/>
+  </p:clrMapOvr>
+</p:sld>
+</file>
+
+<file path=ppt/slides/slide9.xml><?xml version="1.0" encoding="utf-8"?>
+<p:sld xmlns:a="http://schemas.openxmlformats.org/drawingml/2006/main" xmlns:r="http://schemas.openxmlformats.org/officeDocument/2006/relationships" xmlns:p="http://schemas.openxmlformats.org/presentationml/2006/main">
+  <p:cSld>
+    <p:spTree>
+      <p:nvGrpSpPr>
+        <p:cNvPr id="1" name="">
+          <a:extLst>
+            <a:ext uri="{FF2B5EF4-FFF2-40B4-BE49-F238E27FC236}">
+              <a16:creationId xmlns:a16="http://schemas.microsoft.com/office/drawing/2014/main" id="{D58348AB-2476-A5CE-00FC-2B7489800F68}"/>
+            </a:ext>
+          </a:extLst>
+        </p:cNvPr>
+        <p:cNvGrpSpPr/>
+        <p:nvPr/>
+      </p:nvGrpSpPr>
+      <p:grpSpPr>
+        <a:xfrm>
+          <a:off x="0" y="0"/>
+          <a:ext cx="0" cy="0"/>
+          <a:chOff x="0" y="0"/>
+          <a:chExt cx="0" cy="0"/>
+        </a:xfrm>
+      </p:grpSpPr>
+      <p:sp>
+        <p:nvSpPr>
+          <p:cNvPr id="3" name="Subtitle 2">
+            <a:extLst>
+              <a:ext uri="{FF2B5EF4-FFF2-40B4-BE49-F238E27FC236}">
+                <a16:creationId xmlns:a16="http://schemas.microsoft.com/office/drawing/2014/main" id="{20F03AE5-824F-1416-3846-5239A7445CD8}"/>
+              </a:ext>
+            </a:extLst>
+          </p:cNvPr>
+          <p:cNvSpPr>
+            <a:spLocks noGrp="1"/>
+          </p:cNvSpPr>
+          <p:nvPr>
+            <p:ph type="subTitle" idx="1"/>
+          </p:nvPr>
+        </p:nvSpPr>
+        <p:spPr>
+          <a:xfrm>
+            <a:off x="251520" y="692696"/>
+            <a:ext cx="8640960" cy="6480720"/>
+          </a:xfrm>
+        </p:spPr>
+        <p:txBody>
+          <a:bodyPr>
+            <a:noAutofit/>
+          </a:bodyPr>
+          <a:lstStyle/>
+          <a:p>
+            <a:r>
+              <a:rPr lang="en-GB" sz="3600" dirty="0">
+                <a:solidFill>
+                  <a:schemeClr val="bg1"/>
+                </a:solidFill>
+              </a:rPr>
+              <a:t>Lead me to the cross</a:t>
+            </a:r>
+          </a:p>
+          <a:p>
+            <a:r>
+              <a:rPr lang="en-GB" sz="3600" dirty="0">
+                <a:solidFill>
+                  <a:schemeClr val="bg1"/>
+                </a:solidFill>
+              </a:rPr>
+              <a:t>Where Your love poured out</a:t>
+            </a:r>
+          </a:p>
+          <a:p>
+            <a:r>
+              <a:rPr lang="en-GB" sz="3600" dirty="0">
+                <a:solidFill>
+                  <a:schemeClr val="bg1"/>
+                </a:solidFill>
+              </a:rPr>
+              <a:t>Bring me to my knees</a:t>
+            </a:r>
+          </a:p>
+          <a:p>
+            <a:r>
+              <a:rPr lang="en-GB" sz="3600" dirty="0">
+                <a:solidFill>
+                  <a:schemeClr val="bg1"/>
+                </a:solidFill>
+              </a:rPr>
+              <a:t>Lord I lay me down</a:t>
+            </a:r>
+          </a:p>
+          <a:p>
+            <a:r>
+              <a:rPr lang="en-GB" sz="3600" dirty="0">
+                <a:solidFill>
+                  <a:schemeClr val="bg1"/>
+                </a:solidFill>
+              </a:rPr>
+              <a:t>Rid me of myself</a:t>
+            </a:r>
+          </a:p>
+          <a:p>
+            <a:r>
+              <a:rPr lang="en-GB" sz="3600" dirty="0">
+                <a:solidFill>
+                  <a:schemeClr val="bg1"/>
+                </a:solidFill>
+              </a:rPr>
+              <a:t>I belong to You</a:t>
+            </a:r>
+          </a:p>
+          <a:p>
+            <a:r>
+              <a:rPr lang="en-GB" sz="3600" dirty="0">
+                <a:solidFill>
+                  <a:schemeClr val="bg1"/>
+                </a:solidFill>
+              </a:rPr>
+              <a:t>Oh lead me lead me to the cross</a:t>
+            </a:r>
+          </a:p>
+        </p:txBody>
+      </p:sp>
+      <p:sp>
+        <p:nvSpPr>
+          <p:cNvPr id="4" name="TextBox 3">
+            <a:extLst>
+              <a:ext uri="{FF2B5EF4-FFF2-40B4-BE49-F238E27FC236}">
+                <a16:creationId xmlns:a16="http://schemas.microsoft.com/office/drawing/2014/main" id="{A74953CF-E9FB-320D-6B2A-4150ACD31FC6}"/>
+              </a:ext>
+            </a:extLst>
+          </p:cNvPr>
+          <p:cNvSpPr txBox="1"/>
+          <p:nvPr/>
+        </p:nvSpPr>
+        <p:spPr>
+          <a:xfrm>
+            <a:off x="8529729" y="0"/>
+            <a:ext cx="628698" cy="461665"/>
+          </a:xfrm>
+          <a:prstGeom prst="rect">
+            <a:avLst/>
+          </a:prstGeom>
+          <a:noFill/>
+        </p:spPr>
+        <p:txBody>
+          <a:bodyPr wrap="none" rtlCol="0">
+            <a:spAutoFit/>
+          </a:bodyPr>
+          <a:lstStyle/>
+          <a:p>
+            <a:r>
+              <a:rPr lang="en-GB" sz="2400" b="1" dirty="0">
+                <a:solidFill>
+                  <a:schemeClr val="bg1"/>
+                </a:solidFill>
+              </a:rPr>
+              <a:t>8/8</a:t>
+            </a:r>
+          </a:p>
+        </p:txBody>
+      </p:sp>
+    </p:spTree>
+    <p:extLst>
+      <p:ext uri="{BB962C8B-B14F-4D97-AF65-F5344CB8AC3E}">
+        <p14:creationId xmlns:p14="http://schemas.microsoft.com/office/powerpoint/2010/main" val="1732508981"/>
       </p:ext>
     </p:extLst>
   </p:cSld>
